--- a/csFinalProject/ppt_keyloger.pptx
+++ b/csFinalProject/ppt_keyloger.pptx
@@ -19,6 +19,7 @@
     <p:sldId id="268" r:id="rId13"/>
     <p:sldId id="265" r:id="rId14"/>
     <p:sldId id="266" r:id="rId15"/>
+    <p:sldId id="272" r:id="rId16"/>
   </p:sldIdLst>
   <p:sldSz cx="12192000" cy="6858000"/>
   <p:notesSz cx="12192000" cy="6858000"/>
@@ -289,7 +290,7 @@
           <a:p>
             <a:fld id="{1D8BD707-D9CF-40AE-B4C6-C98DA3205C09}" type="datetimeFigureOut">
               <a:rPr lang="en-US"/>
-              <a:t>6/12/2024</a:t>
+              <a:t>6/13/2024</a:t>
             </a:fld>
             <a:endParaRPr lang="en-US"/>
           </a:p>
@@ -469,7 +470,7 @@
           <a:p>
             <a:fld id="{1D8BD707-D9CF-40AE-B4C6-C98DA3205C09}" type="datetimeFigureOut">
               <a:rPr lang="en-US"/>
-              <a:t>6/12/2024</a:t>
+              <a:t>6/13/2024</a:t>
             </a:fld>
             <a:endParaRPr lang="en-US"/>
           </a:p>
@@ -692,7 +693,7 @@
           <a:p>
             <a:fld id="{1D8BD707-D9CF-40AE-B4C6-C98DA3205C09}" type="datetimeFigureOut">
               <a:rPr lang="en-US"/>
-              <a:t>6/12/2024</a:t>
+              <a:t>6/13/2024</a:t>
             </a:fld>
             <a:endParaRPr lang="en-US"/>
           </a:p>
@@ -849,7 +850,7 @@
           <a:p>
             <a:fld id="{1D8BD707-D9CF-40AE-B4C6-C98DA3205C09}" type="datetimeFigureOut">
               <a:rPr lang="en-US"/>
-              <a:t>6/12/2024</a:t>
+              <a:t>6/13/2024</a:t>
             </a:fld>
             <a:endParaRPr lang="en-US"/>
           </a:p>
@@ -977,7 +978,7 @@
           <a:p>
             <a:fld id="{1D8BD707-D9CF-40AE-B4C6-C98DA3205C09}" type="datetimeFigureOut">
               <a:rPr lang="en-US"/>
-              <a:t>6/12/2024</a:t>
+              <a:t>6/13/2024</a:t>
             </a:fld>
             <a:endParaRPr lang="en-US"/>
           </a:p>
@@ -1696,7 +1697,7 @@
           <a:p>
             <a:fld id="{1D8BD707-D9CF-40AE-B4C6-C98DA3205C09}" type="datetimeFigureOut">
               <a:rPr lang="en-US"/>
-              <a:t>6/12/2024</a:t>
+              <a:t>6/13/2024</a:t>
             </a:fld>
             <a:endParaRPr lang="en-US"/>
           </a:p>
@@ -5525,6 +5526,107 @@
     <p:extLst>
       <p:ext uri="{BB962C8B-B14F-4D97-AF65-F5344CB8AC3E}">
         <p14:creationId xmlns:p14="http://schemas.microsoft.com/office/powerpoint/2010/main" val="3618306695"/>
+      </p:ext>
+    </p:extLst>
+  </p:cSld>
+  <p:clrMapOvr>
+    <a:masterClrMapping/>
+  </p:clrMapOvr>
+</p:sld>
+</file>
+
+<file path=ppt/slides/slide15.xml><?xml version="1.0" encoding="utf-8"?>
+<p:sld xmlns:a="http://schemas.openxmlformats.org/drawingml/2006/main" xmlns:r="http://schemas.openxmlformats.org/officeDocument/2006/relationships" xmlns:p="http://schemas.openxmlformats.org/presentationml/2006/main">
+  <p:cSld>
+    <p:spTree>
+      <p:nvGrpSpPr>
+        <p:cNvPr id="1" name=""/>
+        <p:cNvGrpSpPr/>
+        <p:nvPr/>
+      </p:nvGrpSpPr>
+      <p:grpSpPr>
+        <a:xfrm>
+          <a:off x="0" y="0"/>
+          <a:ext cx="0" cy="0"/>
+          <a:chOff x="0" y="0"/>
+          <a:chExt cx="0" cy="0"/>
+        </a:xfrm>
+      </p:grpSpPr>
+      <p:sp>
+        <p:nvSpPr>
+          <p:cNvPr id="2" name="Title 1">
+            <a:extLst>
+              <a:ext uri="{FF2B5EF4-FFF2-40B4-BE49-F238E27FC236}">
+                <a16:creationId xmlns:a16="http://schemas.microsoft.com/office/drawing/2014/main" id="{7266763E-FA11-0150-5F07-D1ED39DD2C11}"/>
+              </a:ext>
+            </a:extLst>
+          </p:cNvPr>
+          <p:cNvSpPr>
+            <a:spLocks noGrp="1"/>
+          </p:cNvSpPr>
+          <p:nvPr>
+            <p:ph type="title"/>
+          </p:nvPr>
+        </p:nvSpPr>
+        <p:spPr/>
+        <p:txBody>
+          <a:bodyPr/>
+          <a:lstStyle/>
+          <a:p>
+            <a:r>
+              <a:rPr lang="en-US" dirty="0"/>
+              <a:t>PROJECT LINK</a:t>
+            </a:r>
+            <a:endParaRPr lang="en-IN" dirty="0"/>
+          </a:p>
+        </p:txBody>
+      </p:sp>
+      <p:sp>
+        <p:nvSpPr>
+          <p:cNvPr id="4" name="TextBox 3">
+            <a:extLst>
+              <a:ext uri="{FF2B5EF4-FFF2-40B4-BE49-F238E27FC236}">
+                <a16:creationId xmlns:a16="http://schemas.microsoft.com/office/drawing/2014/main" id="{8C099BF5-FC29-BA66-89A8-9C16173B7892}"/>
+              </a:ext>
+            </a:extLst>
+          </p:cNvPr>
+          <p:cNvSpPr txBox="1"/>
+          <p:nvPr/>
+        </p:nvSpPr>
+        <p:spPr>
+          <a:xfrm>
+            <a:off x="2209800" y="3251708"/>
+            <a:ext cx="6941574" cy="369332"/>
+          </a:xfrm>
+          <a:prstGeom prst="rect">
+            <a:avLst/>
+          </a:prstGeom>
+          <a:noFill/>
+        </p:spPr>
+        <p:txBody>
+          <a:bodyPr wrap="square">
+            <a:spAutoFit/>
+          </a:bodyPr>
+          <a:lstStyle/>
+          <a:p>
+            <a:pPr marL="285750" indent="-285750">
+              <a:buFont typeface="Arial" panose="020B0604020202020204" pitchFamily="34" charset="0"/>
+              <a:buChar char="•"/>
+            </a:pPr>
+            <a:r>
+              <a:rPr lang="en-IN" dirty="0">
+                <a:hlinkClick r:id="rId2"/>
+              </a:rPr>
+              <a:t>https://github.com/priyanka-1624/cs_keyloggerFinal.git</a:t>
+            </a:r>
+            <a:endParaRPr lang="en-IN" dirty="0"/>
+          </a:p>
+        </p:txBody>
+      </p:sp>
+    </p:spTree>
+    <p:extLst>
+      <p:ext uri="{BB962C8B-B14F-4D97-AF65-F5344CB8AC3E}">
+        <p14:creationId xmlns:p14="http://schemas.microsoft.com/office/powerpoint/2010/main" val="2657211764"/>
       </p:ext>
     </p:extLst>
   </p:cSld>
